--- a/slides/Intro to Machine Learning.pptx
+++ b/slides/Intro to Machine Learning.pptx
@@ -184,6 +184,9 @@
         </p14:section>
       </p14:sectionLst>
     </p:ext>
+    <p:ext uri="{EFAFB233-063F-42B5-8137-9DF3F51BA10A}">
+      <p15:sldGuideLst xmlns:p15="http://schemas.microsoft.com/office/powerpoint/2012/main"/>
+    </p:ext>
   </p:extLst>
 </p:presentation>
 </file>
@@ -335,7 +338,7 @@
           <a:p>
             <a:fld id="{EF1872BF-B83B-442F-8524-46E15FCAB1B9}" type="datetimeFigureOut">
               <a:rPr lang="en-US" smtClean="0"/>
-              <a:t>5/20/2019</a:t>
+              <a:t>5/22/2019</a:t>
             </a:fld>
             <a:endParaRPr lang="en-US"/>
           </a:p>
@@ -533,7 +536,7 @@
           <a:p>
             <a:fld id="{EF1872BF-B83B-442F-8524-46E15FCAB1B9}" type="datetimeFigureOut">
               <a:rPr lang="en-US" smtClean="0"/>
-              <a:t>5/20/2019</a:t>
+              <a:t>5/22/2019</a:t>
             </a:fld>
             <a:endParaRPr lang="en-US"/>
           </a:p>
@@ -741,7 +744,7 @@
           <a:p>
             <a:fld id="{EF1872BF-B83B-442F-8524-46E15FCAB1B9}" type="datetimeFigureOut">
               <a:rPr lang="en-US" smtClean="0"/>
-              <a:t>5/20/2019</a:t>
+              <a:t>5/22/2019</a:t>
             </a:fld>
             <a:endParaRPr lang="en-US"/>
           </a:p>
@@ -939,7 +942,7 @@
           <a:p>
             <a:fld id="{EF1872BF-B83B-442F-8524-46E15FCAB1B9}" type="datetimeFigureOut">
               <a:rPr lang="en-US" smtClean="0"/>
-              <a:t>5/20/2019</a:t>
+              <a:t>5/22/2019</a:t>
             </a:fld>
             <a:endParaRPr lang="en-US"/>
           </a:p>
@@ -1214,7 +1217,7 @@
           <a:p>
             <a:fld id="{EF1872BF-B83B-442F-8524-46E15FCAB1B9}" type="datetimeFigureOut">
               <a:rPr lang="en-US" smtClean="0"/>
-              <a:t>5/20/2019</a:t>
+              <a:t>5/22/2019</a:t>
             </a:fld>
             <a:endParaRPr lang="en-US"/>
           </a:p>
@@ -1479,7 +1482,7 @@
           <a:p>
             <a:fld id="{EF1872BF-B83B-442F-8524-46E15FCAB1B9}" type="datetimeFigureOut">
               <a:rPr lang="en-US" smtClean="0"/>
-              <a:t>5/20/2019</a:t>
+              <a:t>5/22/2019</a:t>
             </a:fld>
             <a:endParaRPr lang="en-US"/>
           </a:p>
@@ -1891,7 +1894,7 @@
           <a:p>
             <a:fld id="{EF1872BF-B83B-442F-8524-46E15FCAB1B9}" type="datetimeFigureOut">
               <a:rPr lang="en-US" smtClean="0"/>
-              <a:t>5/20/2019</a:t>
+              <a:t>5/22/2019</a:t>
             </a:fld>
             <a:endParaRPr lang="en-US"/>
           </a:p>
@@ -2032,7 +2035,7 @@
           <a:p>
             <a:fld id="{EF1872BF-B83B-442F-8524-46E15FCAB1B9}" type="datetimeFigureOut">
               <a:rPr lang="en-US" smtClean="0"/>
-              <a:t>5/20/2019</a:t>
+              <a:t>5/22/2019</a:t>
             </a:fld>
             <a:endParaRPr lang="en-US"/>
           </a:p>
@@ -2145,7 +2148,7 @@
           <a:p>
             <a:fld id="{EF1872BF-B83B-442F-8524-46E15FCAB1B9}" type="datetimeFigureOut">
               <a:rPr lang="en-US" smtClean="0"/>
-              <a:t>5/20/2019</a:t>
+              <a:t>5/22/2019</a:t>
             </a:fld>
             <a:endParaRPr lang="en-US"/>
           </a:p>
@@ -2456,7 +2459,7 @@
           <a:p>
             <a:fld id="{EF1872BF-B83B-442F-8524-46E15FCAB1B9}" type="datetimeFigureOut">
               <a:rPr lang="en-US" smtClean="0"/>
-              <a:t>5/20/2019</a:t>
+              <a:t>5/22/2019</a:t>
             </a:fld>
             <a:endParaRPr lang="en-US"/>
           </a:p>
@@ -2744,7 +2747,7 @@
           <a:p>
             <a:fld id="{EF1872BF-B83B-442F-8524-46E15FCAB1B9}" type="datetimeFigureOut">
               <a:rPr lang="en-US" smtClean="0"/>
-              <a:t>5/20/2019</a:t>
+              <a:t>5/22/2019</a:t>
             </a:fld>
             <a:endParaRPr lang="en-US"/>
           </a:p>
@@ -2985,7 +2988,7 @@
           <a:p>
             <a:fld id="{EF1872BF-B83B-442F-8524-46E15FCAB1B9}" type="datetimeFigureOut">
               <a:rPr lang="en-US" smtClean="0"/>
-              <a:t>5/20/2019</a:t>
+              <a:t>5/22/2019</a:t>
             </a:fld>
             <a:endParaRPr lang="en-US"/>
           </a:p>
@@ -3822,7 +3825,7 @@
           <a:p>
             <a:r>
               <a:rPr lang="en-US" dirty="0"/>
-              <a:t>Do we have labels within the data that represent what we ultimately want to predict?</a:t>
+              <a:t>Do we have some feature within the data that represent what we ultimately want to predict?</a:t>
             </a:r>
           </a:p>
           <a:p>
@@ -4364,7 +4367,7 @@
           <a:p>
             <a:r>
               <a:rPr lang="en-US" dirty="0"/>
-              <a:t>How ‘True’ is the label?</a:t>
+              <a:t>How ‘True’ is the target?</a:t>
             </a:r>
           </a:p>
           <a:p>
@@ -4377,7 +4380,7 @@
           <a:p>
             <a:r>
               <a:rPr lang="en-US" dirty="0"/>
-              <a:t>Are the labels skewed?</a:t>
+              <a:t>Are the targets we are trying to predict skewed?</a:t>
             </a:r>
           </a:p>
           <a:p>
@@ -4576,7 +4579,7 @@
           <a:p>
             <a:r>
               <a:rPr lang="en-US" dirty="0"/>
-              <a:t>Can we state our label a choice between of A </a:t>
+              <a:t>Can we state our outcome as a choice between of A </a:t>
             </a:r>
             <a:r>
               <a:rPr lang="en-US" b="1" dirty="0"/>
@@ -4600,14 +4603,14 @@
             <a:pPr lvl="1"/>
             <a:r>
               <a:rPr lang="en-US" dirty="0"/>
-              <a:t>What problems could be introduced as we add more categories to a label?</a:t>
+              <a:t>What problems could be introduced as we add more categories to an outcome to predict?</a:t>
             </a:r>
           </a:p>
           <a:p>
             <a:pPr lvl="2"/>
             <a:r>
               <a:rPr lang="en-US" dirty="0"/>
-              <a:t>Label sparsity</a:t>
+              <a:t>Target value sparsity</a:t>
             </a:r>
           </a:p>
           <a:p>
@@ -5352,7 +5355,7 @@
           <a:p>
             <a:r>
               <a:rPr lang="en-US" dirty="0"/>
-              <a:t>Can we state our label as a real number?</a:t>
+              <a:t>Can we state our target as a real number?</a:t>
             </a:r>
           </a:p>
           <a:p>
@@ -6459,7 +6462,7 @@
             <a:pPr lvl="1"/>
             <a:r>
               <a:rPr lang="en-US" dirty="0"/>
-              <a:t>Since there is no canonically ‘correct’ label to predict, there is no “training” to give better predictions, or “testing” to evaluate how generalizable our model is.</a:t>
+              <a:t>Since there is no canonically ‘correct’ target/outcome to predict, there is no “training” to give better predictions, or “testing” to evaluate how generalizable our model is.</a:t>
             </a:r>
           </a:p>
           <a:p>
